--- a/images/hw2/SPHW2.pptx
+++ b/images/hw2/SPHW2.pptx
@@ -5790,11 +5790,7 @@
           <a:p>
             <a:r>
               <a:rPr lang="en-US" altLang="zh-TW" dirty="0" smtClean="0"/>
-              <a:t>Part1: Scan </a:t>
-            </a:r>
-            <a:r>
-              <a:rPr lang="en-US" altLang="zh-TW" dirty="0" smtClean="0"/>
-              <a:t>the local directory and sync(upload) to server</a:t>
+              <a:t>Part1: Scan the local directory and sync(upload) to server</a:t>
             </a:r>
             <a:endParaRPr lang="en-US" altLang="zh-TW" dirty="0"/>
           </a:p>
@@ -7115,13 +7111,8 @@
             </a:r>
             <a:r>
               <a:rPr lang="en-US" altLang="zh-TW" dirty="0" smtClean="0"/>
-              <a:t>.  Zero points for plagiarism</a:t>
-            </a:r>
-            <a:r>
-              <a:rPr lang="en-US" altLang="zh-TW" dirty="0" smtClean="0"/>
-              <a:t>.</a:t>
-            </a:r>
-            <a:endParaRPr lang="en-US" altLang="zh-TW" dirty="0" smtClean="0"/>
+              <a:t>.  Zero points for plagiarism.</a:t>
+            </a:r>
           </a:p>
         </p:txBody>
       </p:sp>
@@ -7179,11 +7170,7 @@
           <a:p>
             <a:r>
               <a:rPr lang="en-US" altLang="zh-TW" dirty="0" smtClean="0"/>
-              <a:t>Files </a:t>
-            </a:r>
-            <a:r>
-              <a:rPr lang="en-US" altLang="zh-TW" dirty="0" smtClean="0"/>
-              <a:t>in MP2</a:t>
+              <a:t>Meaning of files</a:t>
             </a:r>
             <a:endParaRPr lang="zh-TW" altLang="en-US" dirty="0"/>
           </a:p>
@@ -7281,7 +7268,7 @@
           <a:p>
             <a:r>
               <a:rPr lang="en-US" altLang="zh-TW" dirty="0"/>
-              <a:t>Files in MP2</a:t>
+              <a:t>Meaning of files</a:t>
             </a:r>
             <a:endParaRPr lang="zh-TW" altLang="en-US" dirty="0"/>
           </a:p>
@@ -7510,7 +7497,7 @@
           <a:p>
             <a:r>
               <a:rPr lang="en-US" altLang="zh-TW" dirty="0"/>
-              <a:t>Files in MP2</a:t>
+              <a:t>Meaning of files</a:t>
             </a:r>
             <a:endParaRPr lang="zh-TW" altLang="en-US" dirty="0"/>
           </a:p>
@@ -7743,7 +7730,7 @@
           <a:p>
             <a:r>
               <a:rPr lang="en-US" altLang="zh-TW" dirty="0"/>
-              <a:t>Files in MP2</a:t>
+              <a:t>Meaning of files</a:t>
             </a:r>
             <a:endParaRPr lang="zh-TW" altLang="en-US" dirty="0"/>
           </a:p>
@@ -7883,7 +7870,11 @@
           <a:p>
             <a:r>
               <a:rPr lang="en-US" altLang="zh-TW" dirty="0" smtClean="0"/>
-              <a:t>Linux command in C</a:t>
+              <a:t>Linux command in </a:t>
+            </a:r>
+            <a:r>
+              <a:rPr lang="en-US" altLang="zh-TW" dirty="0" smtClean="0"/>
+              <a:t>C language</a:t>
             </a:r>
             <a:endParaRPr lang="zh-TW" altLang="en-US" dirty="0"/>
           </a:p>
@@ -8231,8 +8222,8 @@
           <a:lstStyle/>
           <a:p>
             <a:r>
-              <a:rPr lang="en-US" altLang="zh-TW" dirty="0" smtClean="0"/>
-              <a:t>Linux command in C</a:t>
+              <a:rPr lang="en-US" altLang="zh-TW" dirty="0"/>
+              <a:t>Linux command in C language</a:t>
             </a:r>
             <a:endParaRPr lang="zh-TW" altLang="en-US" dirty="0"/>
           </a:p>
